--- a/Docs/Presentation/Software Engineering II Project.pptx
+++ b/Docs/Presentation/Software Engineering II Project.pptx
@@ -5010,7 +5010,6 @@
               <a:rPr lang="en-US" sz="2400" b="1"/>
               <a:t>Agenda</a:t>
             </a:r>
-            <a:endParaRPr lang="en-US" sz="2400" b="1"/>
           </a:p>
           <a:p>
             <a:pPr marL="390906" indent="-342900">
@@ -5049,11 +5048,7 @@
             </a:pPr>
             <a:r>
               <a:rPr lang="en-US" sz="2400"/>
-              <a:t>Android application </a:t>
-            </a:r>
-            <a:r>
-              <a:rPr lang="en-US" sz="2400"/>
-              <a:t>(Xiaoqi Ma)</a:t>
+              <a:t>Android application (Xiaoqi Ma)</a:t>
             </a:r>
           </a:p>
           <a:p>
@@ -5065,7 +5060,6 @@
               <a:rPr lang="en-US" sz="2400"/>
               <a:t>Demo</a:t>
             </a:r>
-            <a:endParaRPr lang="en-US" sz="2400"/>
           </a:p>
         </p:txBody>
       </p:sp>
@@ -5095,13 +5089,7 @@
               <a:rPr lang="en-US" sz="4000">
                 <a:latin typeface="+mn-lt"/>
               </a:rPr>
-              <a:t>ENCA not </a:t>
-            </a:r>
-            <a:r>
-              <a:rPr lang="en-US" sz="4000">
-                <a:latin typeface="+mn-lt"/>
-              </a:rPr>
-              <a:t>Cleaning Agent</a:t>
+              <a:t>ENCA not Cleaning Agent</a:t>
             </a:r>
             <a:br>
               <a:rPr lang="en-US" sz="4000">
@@ -5118,17 +5106,8 @@
               <a:rPr lang="en-US" sz="4000">
                 <a:latin typeface="+mn-lt"/>
               </a:rPr>
-              <a:t>a </a:t>
-            </a:r>
-            <a:r>
-              <a:rPr lang="en-US" sz="4000">
-                <a:latin typeface="+mn-lt"/>
-              </a:rPr>
-              <a:t>cleaning agent picker</a:t>
-            </a:r>
-            <a:endParaRPr lang="en-US" sz="4000">
-              <a:latin typeface="+mn-lt"/>
-            </a:endParaRPr>
+              <a:t>a cleaning agent picker</a:t>
+            </a:r>
           </a:p>
         </p:txBody>
       </p:sp>
@@ -5207,7 +5186,7 @@
       </p:sp>
       <p:pic>
         <p:nvPicPr>
-          <p:cNvPr id="6" name="Content Placeholder 5"/>
+          <p:cNvPr id="4" name="Content Placeholder 3"/>
           <p:cNvPicPr>
             <a:picLocks noGrp="1" noChangeAspect="1"/>
           </p:cNvPicPr>
@@ -5223,8 +5202,8 @@
         </p:blipFill>
         <p:spPr>
           <a:xfrm>
-            <a:off x="365726" y="1690421"/>
-            <a:ext cx="8412543" cy="4701147"/>
+            <a:off x="349920" y="1690421"/>
+            <a:ext cx="8444155" cy="4788320"/>
           </a:xfrm>
           <a:prstGeom prst="rect">
             <a:avLst/>
@@ -5434,7 +5413,6 @@
               <a:rPr lang="en-US"/>
               <a:t>InternationalStringTest</a:t>
             </a:r>
-            <a:endParaRPr lang="en-US"/>
           </a:p>
           <a:p>
             <a:pPr>
@@ -5451,11 +5429,7 @@
             </a:br>
             <a:r>
               <a:rPr lang="en-US"/>
-              <a:t>SQLAmenderTest</a:t>
-            </a:r>
-            <a:r>
-              <a:rPr lang="en-US"/>
-              <a:t>, SQLVisitorTest</a:t>
+              <a:t>SQLAmenderTest, SQLVisitorTest</a:t>
             </a:r>
           </a:p>
           <a:p>
@@ -5475,7 +5449,6 @@
               <a:rPr lang="en-US"/>
               <a:t>TagOperatorTest</a:t>
             </a:r>
-            <a:endParaRPr lang="en-US"/>
           </a:p>
         </p:txBody>
       </p:sp>
@@ -5795,7 +5768,6 @@
               <a:rPr lang="en-US" sz="9600"/>
               <a:t>DEMO</a:t>
             </a:r>
-            <a:endParaRPr lang="en-US" sz="9600"/>
           </a:p>
         </p:txBody>
       </p:sp>
@@ -5901,11 +5873,7 @@
             </a:br>
             <a:r>
               <a:rPr lang="en-US"/>
-              <a:t>Requirement </a:t>
-            </a:r>
-            <a:r>
-              <a:rPr lang="en-US"/>
-              <a:t>analysis, system structure, UI design and team collaboration.</a:t>
+              <a:t>Requirement analysis, system structure, UI design and team collaboration.</a:t>
             </a:r>
           </a:p>
           <a:p>
@@ -5918,11 +5886,7 @@
             </a:br>
             <a:r>
               <a:rPr lang="en-US"/>
-              <a:t>Business </a:t>
-            </a:r>
-            <a:r>
-              <a:rPr lang="en-US"/>
-              <a:t>logic implementation, UI implementation and code revision.</a:t>
+              <a:t>Business logic implementation, UI implementation and code revision.</a:t>
             </a:r>
           </a:p>
           <a:p>
@@ -5935,11 +5899,7 @@
             </a:br>
             <a:r>
               <a:rPr lang="en-US"/>
-              <a:t>Data </a:t>
-            </a:r>
-            <a:r>
-              <a:rPr lang="en-US"/>
-              <a:t>acquisition, database management and testing.</a:t>
+              <a:t>Data acquisition, database management and testing.</a:t>
             </a:r>
           </a:p>
           <a:p>
@@ -5952,15 +5912,7 @@
             </a:br>
             <a:r>
               <a:rPr lang="en-US"/>
-              <a:t>Android </a:t>
-            </a:r>
-            <a:r>
-              <a:rPr lang="en-US"/>
-              <a:t>application, UI design and </a:t>
-            </a:r>
-            <a:r>
-              <a:rPr lang="en-US"/>
-              <a:t>implementation.</a:t>
+              <a:t>Android application, UI design and implementation.</a:t>
             </a:r>
           </a:p>
           <a:p>
@@ -5976,23 +5928,13 @@
             </a:br>
             <a:r>
               <a:rPr lang="en-US"/>
-              <a:t>GitHub</a:t>
-            </a:r>
-            <a:r>
-              <a:rPr lang="en-US"/>
-              <a:t>: </a:t>
+              <a:t>GitHub: </a:t>
             </a:r>
             <a:r>
               <a:rPr lang="en-US">
                 <a:hlinkClick r:id="rId2"/>
               </a:rPr>
-              <a:t>https</a:t>
-            </a:r>
-            <a:r>
-              <a:rPr lang="en-US">
-                <a:hlinkClick r:id="rId2"/>
-              </a:rPr>
-              <a:t>://github.com/Nimita311/ENCA-Andriod</a:t>
+              <a:t>https://github.com/Nimita311/ENCA-Andriod</a:t>
             </a:r>
             <a:endParaRPr lang="en-US"/>
           </a:p>
@@ -6223,25 +6165,7 @@
               <a:rPr lang="en-US" sz="4000">
                 <a:latin typeface="+mn-lt"/>
               </a:rPr>
-              <a:t>Scenarios </a:t>
-            </a:r>
-            <a:r>
-              <a:rPr lang="en-US" sz="4000">
-                <a:latin typeface="+mn-lt"/>
-              </a:rPr>
-              <a:t>of </a:t>
-            </a:r>
-            <a:r>
-              <a:rPr lang="en-US" sz="4000">
-                <a:latin typeface="+mn-lt"/>
-              </a:rPr>
-              <a:t>U</a:t>
-            </a:r>
-            <a:r>
-              <a:rPr lang="en-US" sz="4000">
-                <a:latin typeface="+mn-lt"/>
-              </a:rPr>
-              <a:t>se</a:t>
+              <a:t>Scenarios of Use</a:t>
             </a:r>
           </a:p>
         </p:txBody>
@@ -6273,22 +6197,14 @@
             </a:pPr>
             <a:r>
               <a:rPr lang="en-US"/>
-              <a:t>Scenario 1: (</a:t>
-            </a:r>
-            <a:r>
-              <a:rPr lang="en-US"/>
-              <a:t>with ENCA)</a:t>
+              <a:t>Scenario 1: (with ENCA)</a:t>
             </a:r>
             <a:br>
               <a:rPr lang="en-US"/>
             </a:br>
             <a:r>
               <a:rPr lang="en-US"/>
-              <a:t>Cleaning </a:t>
-            </a:r>
-            <a:r>
-              <a:rPr lang="en-US"/>
-              <a:t>purpose -&gt; Cleaning agent</a:t>
+              <a:t>Cleaning purpose -&gt; Cleaning agent</a:t>
             </a:r>
           </a:p>
           <a:p>
@@ -6299,22 +6215,14 @@
             </a:pPr>
             <a:r>
               <a:rPr lang="en-US"/>
-              <a:t>Scenario 2: (</a:t>
-            </a:r>
-            <a:r>
-              <a:rPr lang="en-US"/>
-              <a:t>with ENCA)</a:t>
+              <a:t>Scenario 2: (with ENCA)</a:t>
             </a:r>
             <a:br>
               <a:rPr lang="en-US"/>
             </a:br>
             <a:r>
               <a:rPr lang="en-US"/>
-              <a:t>Cleaning </a:t>
-            </a:r>
-            <a:r>
-              <a:rPr lang="en-US"/>
-              <a:t>agent's name or description -&gt; Cleaning agent</a:t>
+              <a:t>Cleaning agent's name or description -&gt; Cleaning agent</a:t>
             </a:r>
           </a:p>
           <a:p>
@@ -6325,24 +6233,15 @@
             </a:pPr>
             <a:r>
               <a:rPr lang="en-US"/>
-              <a:t>Scenario 3: (</a:t>
-            </a:r>
-            <a:r>
-              <a:rPr lang="en-US"/>
-              <a:t>with ENCA-express)</a:t>
+              <a:t>Scenario 3: (with ENCA-express)</a:t>
             </a:r>
             <a:br>
               <a:rPr lang="en-US"/>
             </a:br>
             <a:r>
               <a:rPr lang="en-US"/>
-              <a:t>Want </a:t>
-            </a:r>
-            <a:r>
-              <a:rPr lang="en-US"/>
-              <a:t>to buy a cleaning agent -&gt; show the seller</a:t>
-            </a:r>
-            <a:endParaRPr lang="en-US"/>
+              <a:t>Want to buy a cleaning agent -&gt; show the seller</a:t>
+            </a:r>
           </a:p>
         </p:txBody>
       </p:sp>
@@ -6616,7 +6515,7 @@
       </p:sp>
       <p:pic>
         <p:nvPicPr>
-          <p:cNvPr id="11" name="Content Placeholder 10"/>
+          <p:cNvPr id="6" name="Content Placeholder 5"/>
           <p:cNvPicPr>
             <a:picLocks noGrp="1" noChangeAspect="1"/>
           </p:cNvPicPr>
@@ -6632,8 +6531,8 @@
         </p:blipFill>
         <p:spPr>
           <a:xfrm>
-            <a:off x="323467" y="1923898"/>
-            <a:ext cx="8497061" cy="3874683"/>
+            <a:off x="404302" y="1931214"/>
+            <a:ext cx="8335391" cy="3920947"/>
           </a:xfrm>
           <a:prstGeom prst="rect">
             <a:avLst/>
@@ -6715,7 +6614,7 @@
       </p:sp>
       <p:pic>
         <p:nvPicPr>
-          <p:cNvPr id="11" name="Content Placeholder 10"/>
+          <p:cNvPr id="4" name="Content Placeholder 3"/>
           <p:cNvPicPr>
             <a:picLocks noGrp="1" noChangeAspect="1"/>
           </p:cNvPicPr>
@@ -6731,8 +6630,8 @@
         </p:blipFill>
         <p:spPr>
           <a:xfrm>
-            <a:off x="544118" y="2407897"/>
-            <a:ext cx="8055760" cy="3123696"/>
+            <a:off x="533418" y="1983029"/>
+            <a:ext cx="8077160" cy="3986174"/>
           </a:xfrm>
           <a:prstGeom prst="rect">
             <a:avLst/>
@@ -6824,8 +6723,8 @@
         </p:nvSpPr>
         <p:spPr>
           <a:xfrm>
-            <a:off x="457198" y="1788248"/>
-            <a:ext cx="8229600" cy="4325112"/>
+            <a:off x="457198" y="1788247"/>
+            <a:ext cx="8229600" cy="4628455"/>
           </a:xfrm>
         </p:spPr>
         <p:txBody>
@@ -6835,41 +6734,87 @@
           <a:lstStyle/>
           <a:p>
             <a:pPr>
-              <a:lnSpc>
-                <a:spcPct val="150000"/>
-              </a:lnSpc>
               <a:spcBef>
-                <a:spcPts val="600"/>
+                <a:spcPts val="1200"/>
               </a:spcBef>
             </a:pPr>
             <a:r>
-              <a:rPr lang="en-US" sz="2400"/>
-              <a:t>Intended to replace Swing</a:t>
-            </a:r>
-          </a:p>
-          <a:p>
-            <a:pPr>
-              <a:lnSpc>
-                <a:spcPct val="150000"/>
-              </a:lnSpc>
+              <a:rPr lang="en-US" sz="2400" b="1"/>
+              <a:t>Clear structure</a:t>
+            </a:r>
+          </a:p>
+          <a:p>
+            <a:pPr lvl="1">
               <a:spcBef>
-                <a:spcPts val="600"/>
+                <a:spcPts val="0"/>
               </a:spcBef>
             </a:pPr>
             <a:r>
-              <a:rPr lang="en-US" sz="2400"/>
+              <a:rPr lang="en-US" sz="2250"/>
+              <a:t>Main class</a:t>
+            </a:r>
+          </a:p>
+          <a:p>
+            <a:pPr lvl="1">
+              <a:spcBef>
+                <a:spcPts val="0"/>
+              </a:spcBef>
+            </a:pPr>
+            <a:r>
+              <a:rPr lang="en-US" sz="2250"/>
+              <a:t>FXML file expressing interface</a:t>
+            </a:r>
+          </a:p>
+          <a:p>
+            <a:pPr lvl="1">
+              <a:spcBef>
+                <a:spcPts val="0"/>
+              </a:spcBef>
+            </a:pPr>
+            <a:r>
+              <a:rPr lang="en-US" sz="2250"/>
+              <a:t>Separate controller</a:t>
+            </a:r>
+          </a:p>
+          <a:p>
+            <a:pPr lvl="1">
+              <a:spcBef>
+                <a:spcPts val="0"/>
+              </a:spcBef>
+            </a:pPr>
+            <a:r>
+              <a:rPr lang="en-US" sz="2250"/>
+              <a:t>Css file controlling style</a:t>
+            </a:r>
+          </a:p>
+          <a:p>
+            <a:pPr>
+              <a:spcBef>
+                <a:spcPts val="1200"/>
+              </a:spcBef>
+            </a:pPr>
+            <a:r>
+              <a:rPr lang="en-US" sz="2400" b="1"/>
               <a:t>Better look</a:t>
             </a:r>
           </a:p>
           <a:p>
-            <a:pPr lvl="1"/>
+            <a:pPr lvl="1">
+              <a:spcBef>
+                <a:spcPts val="0"/>
+              </a:spcBef>
+            </a:pPr>
             <a:r>
               <a:rPr lang="en-US" sz="2000"/>
               <a:t>Flat design</a:t>
             </a:r>
           </a:p>
           <a:p>
-            <a:pPr lvl="1"/>
+            <a:pPr lvl="1">
+              <a:spcBef>
+                <a:spcPts val="0"/>
+              </a:spcBef>
+            </a:pPr>
             <a:r>
               <a:rPr lang="en-US" sz="2000"/>
               <a:t>Theme color: </a:t>
@@ -6888,184 +6833,200 @@
                   <a:srgbClr val="4682B4"/>
                 </a:solidFill>
               </a:rPr>
-              <a:t>, #4682b4, RGB(70, 130, 180)</a:t>
-            </a:r>
-          </a:p>
-          <a:p>
-            <a:pPr lvl="1"/>
+              <a:t>, RGB(70, 130, 180)</a:t>
+            </a:r>
+          </a:p>
+          <a:p>
+            <a:pPr lvl="1">
+              <a:spcBef>
+                <a:spcPts val="0"/>
+              </a:spcBef>
+            </a:pPr>
             <a:r>
               <a:rPr lang="en-US" sz="2000"/>
               <a:t>Tag colors: </a:t>
             </a:r>
-            <a:endParaRPr lang="en-US" sz="2000"/>
           </a:p>
           <a:p>
             <a:pPr>
-              <a:lnSpc>
-                <a:spcPct val="150000"/>
-              </a:lnSpc>
               <a:spcBef>
-                <a:spcPts val="600"/>
+                <a:spcPts val="1200"/>
               </a:spcBef>
             </a:pPr>
             <a:r>
-              <a:rPr lang="en-US" sz="2400"/>
-              <a:t>Consistency</a:t>
+              <a:rPr lang="en-US" sz="2400" b="1"/>
+              <a:t>More </a:t>
+            </a:r>
+            <a:r>
+              <a:rPr lang="en-US" sz="2400" b="1"/>
+              <a:t>flexible layout</a:t>
             </a:r>
           </a:p>
           <a:p>
             <a:pPr>
-              <a:lnSpc>
-                <a:spcPct val="150000"/>
-              </a:lnSpc>
               <a:spcBef>
-                <a:spcPts val="600"/>
+                <a:spcPts val="1200"/>
               </a:spcBef>
             </a:pPr>
             <a:r>
-              <a:rPr lang="en-US" sz="2400"/>
-              <a:t>More flexible layout</a:t>
-            </a:r>
-          </a:p>
-          <a:p>
-            <a:pPr>
-              <a:lnSpc>
-                <a:spcPct val="150000"/>
-              </a:lnSpc>
-              <a:spcBef>
-                <a:spcPts val="600"/>
-              </a:spcBef>
-            </a:pPr>
-            <a:r>
-              <a:rPr lang="en-US" sz="2400"/>
-              <a:t>Styling with CSS</a:t>
-            </a:r>
-          </a:p>
-        </p:txBody>
-      </p:sp>
-      <p:sp>
-        <p:nvSpPr>
-          <p:cNvPr id="4" name="TextBox 3"/>
-          <p:cNvSpPr txBox="1"/>
+              <a:rPr lang="en-US" sz="2400" b="1"/>
+              <a:t>Consistency</a:t>
+            </a:r>
+          </a:p>
+        </p:txBody>
+      </p:sp>
+      <p:grpSp>
+        <p:nvGrpSpPr>
+          <p:cNvPr id="7" name="Group 6"/>
+          <p:cNvGrpSpPr/>
           <p:nvPr/>
-        </p:nvSpPr>
-        <p:spPr>
-          <a:xfrm>
-            <a:off x="2239404" y="3706926"/>
-            <a:ext cx="792904" cy="338554"/>
+        </p:nvGrpSpPr>
+        <p:grpSpPr>
+          <a:xfrm>
+            <a:off x="2244293" y="4770764"/>
+            <a:ext cx="2782638" cy="338554"/>
+            <a:chOff x="2226364" y="5066599"/>
+            <a:chExt cx="2782638" cy="338554"/>
+          </a:xfrm>
+        </p:grpSpPr>
+        <p:sp>
+          <p:nvSpPr>
+            <p:cNvPr id="4" name="TextBox 3"/>
+            <p:cNvSpPr txBox="1"/>
+            <p:nvPr/>
+          </p:nvSpPr>
+          <p:spPr>
+            <a:xfrm>
+              <a:off x="2226364" y="5066599"/>
+              <a:ext cx="792904" cy="338554"/>
+            </a:xfrm>
+            <a:prstGeom prst="rect">
+              <a:avLst/>
+            </a:prstGeom>
+            <a:solidFill>
+              <a:srgbClr val="4D93CB"/>
+            </a:solidFill>
+          </p:spPr>
+          <p:txBody>
+            <a:bodyPr wrap="square" rtlCol="0">
+              <a:spAutoFit/>
+            </a:bodyPr>
+            <a:lstStyle/>
+            <a:p>
+              <a:pPr algn="ctr"/>
+              <a:r>
+                <a:rPr lang="en-US" sz="1600" b="1">
+                  <a:solidFill>
+                    <a:schemeClr val="bg1"/>
+                  </a:solidFill>
+                </a:rPr>
+                <a:t>Room</a:t>
+              </a:r>
+            </a:p>
+          </p:txBody>
+        </p:sp>
+        <p:sp>
+          <p:nvSpPr>
+            <p:cNvPr id="5" name="TextBox 4"/>
+            <p:cNvSpPr txBox="1"/>
+            <p:nvPr/>
+          </p:nvSpPr>
+          <p:spPr>
+            <a:xfrm>
+              <a:off x="3221231" y="5066599"/>
+              <a:ext cx="792904" cy="338554"/>
+            </a:xfrm>
+            <a:prstGeom prst="rect">
+              <a:avLst/>
+            </a:prstGeom>
+            <a:solidFill>
+              <a:srgbClr val="88B7DD"/>
+            </a:solidFill>
+          </p:spPr>
+          <p:txBody>
+            <a:bodyPr wrap="square" rtlCol="0">
+              <a:spAutoFit/>
+            </a:bodyPr>
+            <a:lstStyle/>
+            <a:p>
+              <a:pPr algn="ctr"/>
+              <a:r>
+                <a:rPr lang="en-US" sz="1600" b="1">
+                  <a:solidFill>
+                    <a:schemeClr val="bg1"/>
+                  </a:solidFill>
+                </a:rPr>
+                <a:t>Items</a:t>
+              </a:r>
+            </a:p>
+          </p:txBody>
+        </p:sp>
+        <p:sp>
+          <p:nvSpPr>
+            <p:cNvPr id="6" name="TextBox 5"/>
+            <p:cNvSpPr txBox="1"/>
+            <p:nvPr/>
+          </p:nvSpPr>
+          <p:spPr>
+            <a:xfrm>
+              <a:off x="4216098" y="5066599"/>
+              <a:ext cx="792904" cy="338554"/>
+            </a:xfrm>
+            <a:prstGeom prst="rect">
+              <a:avLst/>
+            </a:prstGeom>
+            <a:solidFill>
+              <a:srgbClr val="C4DBEE"/>
+            </a:solidFill>
+          </p:spPr>
+          <p:txBody>
+            <a:bodyPr wrap="square" rtlCol="0">
+              <a:spAutoFit/>
+            </a:bodyPr>
+            <a:lstStyle/>
+            <a:p>
+              <a:pPr algn="ctr"/>
+              <a:r>
+                <a:rPr lang="en-US" sz="1600" b="1">
+                  <a:solidFill>
+                    <a:schemeClr val="bg1"/>
+                  </a:solidFill>
+                </a:rPr>
+                <a:t>Others</a:t>
+              </a:r>
+            </a:p>
+          </p:txBody>
+        </p:sp>
+      </p:grpSp>
+      <p:pic>
+        <p:nvPicPr>
+          <p:cNvPr id="8" name="Picture 7"/>
+          <p:cNvPicPr>
+            <a:picLocks noChangeAspect="1"/>
+          </p:cNvPicPr>
+          <p:nvPr/>
+        </p:nvPicPr>
+        <p:blipFill>
+          <a:blip r:embed="rId2"/>
+          <a:stretch>
+            <a:fillRect/>
+          </a:stretch>
+        </p:blipFill>
+        <p:spPr>
+          <a:xfrm>
+            <a:off x="5743162" y="1528270"/>
+            <a:ext cx="2943636" cy="4551204"/>
           </a:xfrm>
           <a:prstGeom prst="rect">
             <a:avLst/>
           </a:prstGeom>
-          <a:solidFill>
-            <a:srgbClr val="4D93CB"/>
-          </a:solidFill>
-        </p:spPr>
-        <p:txBody>
-          <a:bodyPr wrap="square" rtlCol="0">
-            <a:spAutoFit/>
-          </a:bodyPr>
-          <a:lstStyle/>
-          <a:p>
-            <a:pPr algn="ctr"/>
-            <a:r>
-              <a:rPr lang="en-US" sz="1600" b="1">
-                <a:solidFill>
-                  <a:schemeClr val="bg1"/>
-                </a:solidFill>
-              </a:rPr>
-              <a:t>Room</a:t>
-            </a:r>
-            <a:endParaRPr lang="en-US" sz="1600" b="1">
-              <a:solidFill>
-                <a:schemeClr val="bg1"/>
-              </a:solidFill>
-            </a:endParaRPr>
-          </a:p>
-        </p:txBody>
-      </p:sp>
-      <p:sp>
-        <p:nvSpPr>
-          <p:cNvPr id="5" name="TextBox 4"/>
-          <p:cNvSpPr txBox="1"/>
-          <p:nvPr/>
-        </p:nvSpPr>
-        <p:spPr>
-          <a:xfrm>
-            <a:off x="3234271" y="3706926"/>
-            <a:ext cx="792904" cy="338554"/>
-          </a:xfrm>
-          <a:prstGeom prst="rect">
-            <a:avLst/>
-          </a:prstGeom>
-          <a:solidFill>
-            <a:srgbClr val="88B7DD"/>
-          </a:solidFill>
-        </p:spPr>
-        <p:txBody>
-          <a:bodyPr wrap="square" rtlCol="0">
-            <a:spAutoFit/>
-          </a:bodyPr>
-          <a:lstStyle/>
-          <a:p>
-            <a:pPr algn="ctr"/>
-            <a:r>
-              <a:rPr lang="en-US" sz="1600" b="1">
-                <a:solidFill>
-                  <a:schemeClr val="bg1"/>
-                </a:solidFill>
-              </a:rPr>
-              <a:t>Items</a:t>
-            </a:r>
-            <a:endParaRPr lang="en-US" sz="1600" b="1">
-              <a:solidFill>
-                <a:schemeClr val="bg1"/>
-              </a:solidFill>
-            </a:endParaRPr>
-          </a:p>
-        </p:txBody>
-      </p:sp>
-      <p:sp>
-        <p:nvSpPr>
-          <p:cNvPr id="6" name="TextBox 5"/>
-          <p:cNvSpPr txBox="1"/>
-          <p:nvPr/>
-        </p:nvSpPr>
-        <p:spPr>
-          <a:xfrm>
-            <a:off x="4229138" y="3706926"/>
-            <a:ext cx="792904" cy="338554"/>
-          </a:xfrm>
-          <a:prstGeom prst="rect">
-            <a:avLst/>
-          </a:prstGeom>
-          <a:solidFill>
-            <a:srgbClr val="C4DBEE"/>
-          </a:solidFill>
-        </p:spPr>
-        <p:txBody>
-          <a:bodyPr wrap="square" rtlCol="0">
-            <a:spAutoFit/>
-          </a:bodyPr>
-          <a:lstStyle/>
-          <a:p>
-            <a:pPr algn="ctr"/>
-            <a:r>
-              <a:rPr lang="en-US" sz="1600" b="1">
-                <a:solidFill>
-                  <a:schemeClr val="bg1"/>
-                </a:solidFill>
-              </a:rPr>
-              <a:t>Others</a:t>
-            </a:r>
-            <a:endParaRPr lang="en-US" sz="1600" b="1">
-              <a:solidFill>
-                <a:schemeClr val="bg1"/>
-              </a:solidFill>
-            </a:endParaRPr>
-          </a:p>
-        </p:txBody>
-      </p:sp>
+          <a:ln>
+            <a:solidFill>
+              <a:srgbClr val="4682B4"/>
+            </a:solidFill>
+          </a:ln>
+        </p:spPr>
+      </p:pic>
     </p:spTree>
     <p:extLst>
       <p:ext uri="{BB962C8B-B14F-4D97-AF65-F5344CB8AC3E}">

--- a/Docs/Presentation/Software Engineering II Project.pptx
+++ b/Docs/Presentation/Software Engineering II Project.pptx
@@ -237,7 +237,7 @@
           <a:p>
             <a:fld id="{68796EA6-6F25-4F19-87BA-7ADCC16DAEFF}" type="datetimeFigureOut">
               <a:rPr lang="en-US" smtClean="0"/>
-              <a:t>7/18/2016</a:t>
+              <a:t>7/19/16</a:t>
             </a:fld>
             <a:endParaRPr lang="en-US"/>
           </a:p>
@@ -402,7 +402,7 @@
           <a:p>
             <a:fld id="{C39C172E-A8B5-46F6-B05C-DFA3E2E0F207}" type="datetimeFigureOut">
               <a:rPr lang="en-US" smtClean="0"/>
-              <a:t>7/18/2016</a:t>
+              <a:t>7/19/16</a:t>
             </a:fld>
             <a:endParaRPr lang="en-US"/>
           </a:p>
@@ -1319,7 +1319,7 @@
           <a:p>
             <a:fld id="{4E708F12-96AD-4ED4-8132-A78F5E42C1F5}" type="datetime1">
               <a:rPr lang="en-US" smtClean="0"/>
-              <a:t>7/18/2016</a:t>
+              <a:t>7/19/16</a:t>
             </a:fld>
             <a:endParaRPr lang="en-US"/>
           </a:p>
@@ -1539,7 +1539,7 @@
           <a:p>
             <a:fld id="{7B7FA170-8299-44AD-AEEF-FC686C3D7804}" type="datetime1">
               <a:rPr lang="en-US" smtClean="0"/>
-              <a:t>7/18/2016</a:t>
+              <a:t>7/19/16</a:t>
             </a:fld>
             <a:endParaRPr lang="en-US"/>
           </a:p>
@@ -1720,7 +1720,7 @@
           <a:p>
             <a:fld id="{2231763A-68EC-4ECD-9620-D9FE9CDDD622}" type="datetime1">
               <a:rPr lang="en-US" smtClean="0"/>
-              <a:t>7/18/2016</a:t>
+              <a:t>7/19/16</a:t>
             </a:fld>
             <a:endParaRPr lang="en-US"/>
           </a:p>
@@ -1911,7 +1911,7 @@
           <a:p>
             <a:fld id="{7B98BEDD-6160-49BB-B372-861DE7DE9BA5}" type="datetime1">
               <a:rPr lang="en-US" smtClean="0"/>
-              <a:t>7/18/2016</a:t>
+              <a:t>7/19/16</a:t>
             </a:fld>
             <a:endParaRPr lang="en-US"/>
           </a:p>
@@ -2092,7 +2092,7 @@
           <a:p>
             <a:fld id="{0AAE819F-B7FD-4B29-8F66-9E318144BC2A}" type="datetime1">
               <a:rPr lang="en-US" smtClean="0"/>
-              <a:t>7/18/2016</a:t>
+              <a:t>7/19/16</a:t>
             </a:fld>
             <a:endParaRPr lang="en-US"/>
           </a:p>
@@ -2324,7 +2324,7 @@
           <a:p>
             <a:fld id="{D4CA159C-B6E0-4F10-9F4A-2FA57003B139}" type="datetime1">
               <a:rPr lang="en-US" smtClean="0"/>
-              <a:t>7/18/2016</a:t>
+              <a:t>7/19/16</a:t>
             </a:fld>
             <a:endParaRPr lang="en-US"/>
           </a:p>
@@ -2615,7 +2615,7 @@
           <a:p>
             <a:fld id="{8170CBBB-D1D1-4386-A5E9-07F3477B78F3}" type="datetime1">
               <a:rPr lang="en-US" smtClean="0"/>
-              <a:t>7/18/2016</a:t>
+              <a:t>7/19/16</a:t>
             </a:fld>
             <a:endParaRPr lang="en-US"/>
           </a:p>
@@ -3042,7 +3042,7 @@
           <a:p>
             <a:fld id="{9FA4CAD8-0EA7-4615-B69B-B2F199EF3A93}" type="datetime1">
               <a:rPr lang="en-US" smtClean="0"/>
-              <a:t>7/18/2016</a:t>
+              <a:t>7/19/16</a:t>
             </a:fld>
             <a:endParaRPr lang="en-US"/>
           </a:p>
@@ -3194,7 +3194,7 @@
           <a:p>
             <a:fld id="{B9234BD7-6953-492C-921B-E68B2D7F14C8}" type="datetime1">
               <a:rPr lang="en-US" smtClean="0"/>
-              <a:t>7/18/2016</a:t>
+              <a:t>7/19/16</a:t>
             </a:fld>
             <a:endParaRPr lang="en-US"/>
           </a:p>
@@ -3301,7 +3301,7 @@
           <a:p>
             <a:fld id="{35A17D9B-D4D3-4E23-88DF-2E354FA43196}" type="datetime1">
               <a:rPr lang="en-US" smtClean="0"/>
-              <a:t>7/18/2016</a:t>
+              <a:t>7/19/16</a:t>
             </a:fld>
             <a:endParaRPr lang="en-US"/>
           </a:p>
@@ -3562,7 +3562,7 @@
           <a:p>
             <a:fld id="{541F67C5-D04E-4576-B61C-12ABA14BBD6C}" type="datetime1">
               <a:rPr lang="en-US" smtClean="0"/>
-              <a:t>7/18/2016</a:t>
+              <a:t>7/19/16</a:t>
             </a:fld>
             <a:endParaRPr lang="en-US"/>
           </a:p>
@@ -4460,7 +4460,7 @@
           <a:p>
             <a:fld id="{C20F09E4-6EA4-4BF3-9FC8-FF40373B88E6}" type="datetime1">
               <a:rPr lang="en-US" smtClean="0"/>
-              <a:t>7/18/2016</a:t>
+              <a:t>7/19/16</a:t>
             </a:fld>
             <a:endParaRPr lang="en-US"/>
           </a:p>
@@ -5007,7 +5007,7 @@
           <a:lstStyle/>
           <a:p>
             <a:r>
-              <a:rPr lang="en-US" sz="2400" b="1"/>
+              <a:rPr lang="en-US" sz="2400" b="1" dirty="0"/>
               <a:t>Agenda</a:t>
             </a:r>
           </a:p>
@@ -5017,8 +5017,16 @@
               <a:buChar char="•"/>
             </a:pPr>
             <a:r>
-              <a:rPr lang="en-US" sz="2400"/>
-              <a:t>Introduction (Haoze Zhang)</a:t>
+              <a:rPr lang="en-US" sz="2400" dirty="0"/>
+              <a:t>Introduction (</a:t>
+            </a:r>
+            <a:r>
+              <a:rPr lang="en-US" sz="2400" dirty="0" err="1"/>
+              <a:t>Haoze</a:t>
+            </a:r>
+            <a:r>
+              <a:rPr lang="en-US" sz="2400" dirty="0"/>
+              <a:t> Zhang)</a:t>
             </a:r>
           </a:p>
           <a:p>
@@ -5027,8 +5035,16 @@
               <a:buChar char="•"/>
             </a:pPr>
             <a:r>
-              <a:rPr lang="en-US" sz="2400"/>
-              <a:t>Business Logic Structure (Zhaowen Gong)</a:t>
+              <a:rPr lang="en-US" sz="2400" dirty="0"/>
+              <a:t>Business Logic Structure (</a:t>
+            </a:r>
+            <a:r>
+              <a:rPr lang="en-US" sz="2400" dirty="0" err="1"/>
+              <a:t>Zhaowen</a:t>
+            </a:r>
+            <a:r>
+              <a:rPr lang="en-US" sz="2400" dirty="0"/>
+              <a:t> Gong)</a:t>
             </a:r>
           </a:p>
           <a:p>
@@ -5037,8 +5053,16 @@
               <a:buChar char="•"/>
             </a:pPr>
             <a:r>
-              <a:rPr lang="en-US" sz="2400"/>
-              <a:t>Data Access and Testing (Zeling Wu)</a:t>
+              <a:rPr lang="en-US" sz="2400" dirty="0"/>
+              <a:t>Data Access and Testing (</a:t>
+            </a:r>
+            <a:r>
+              <a:rPr lang="en-US" sz="2400" dirty="0" err="1"/>
+              <a:t>Zeling</a:t>
+            </a:r>
+            <a:r>
+              <a:rPr lang="en-US" sz="2400" dirty="0"/>
+              <a:t> Wu)</a:t>
             </a:r>
           </a:p>
           <a:p>
@@ -5047,8 +5071,16 @@
               <a:buChar char="•"/>
             </a:pPr>
             <a:r>
-              <a:rPr lang="en-US" sz="2400"/>
-              <a:t>Android application (Xiaoqi Ma)</a:t>
+              <a:rPr lang="en-US" sz="2400" dirty="0"/>
+              <a:t>Android application (</a:t>
+            </a:r>
+            <a:r>
+              <a:rPr lang="en-US" sz="2400" dirty="0" err="1"/>
+              <a:t>Xiaoqi</a:t>
+            </a:r>
+            <a:r>
+              <a:rPr lang="en-US" sz="2400" dirty="0"/>
+              <a:t> Ma)</a:t>
             </a:r>
           </a:p>
           <a:p>
@@ -5057,7 +5089,7 @@
               <a:buChar char="•"/>
             </a:pPr>
             <a:r>
-              <a:rPr lang="en-US" sz="2400"/>
+              <a:rPr lang="en-US" sz="2400" dirty="0"/>
               <a:t>Demo</a:t>
             </a:r>
           </a:p>
@@ -5086,28 +5118,58 @@
           <a:lstStyle/>
           <a:p>
             <a:r>
-              <a:rPr lang="en-US" sz="4000">
+              <a:rPr lang="en-US" sz="4000" dirty="0">
                 <a:latin typeface="+mn-lt"/>
               </a:rPr>
               <a:t>ENCA not Cleaning Agent</a:t>
             </a:r>
             <a:br>
-              <a:rPr lang="en-US" sz="4000">
+              <a:rPr lang="en-US" sz="4000" dirty="0">
                 <a:latin typeface="+mn-lt"/>
               </a:rPr>
             </a:br>
             <a:r>
-              <a:rPr lang="en-US" altLang="zh-CN" sz="4000">
+              <a:rPr lang="en-US" altLang="zh-CN" sz="4000" dirty="0">
                 <a:latin typeface="+mn-lt"/>
               </a:rPr>
               <a:t>—— </a:t>
             </a:r>
             <a:r>
-              <a:rPr lang="en-US" sz="4000">
+              <a:rPr lang="en-US" sz="4000" dirty="0">
                 <a:latin typeface="+mn-lt"/>
               </a:rPr>
               <a:t>a cleaning agent picker</a:t>
             </a:r>
+          </a:p>
+        </p:txBody>
+      </p:sp>
+      <p:sp>
+        <p:nvSpPr>
+          <p:cNvPr id="4" name="TextBox 3"/>
+          <p:cNvSpPr txBox="1"/>
+          <p:nvPr/>
+        </p:nvSpPr>
+        <p:spPr>
+          <a:xfrm>
+            <a:off x="7653516" y="5958316"/>
+            <a:ext cx="1261884" cy="369332"/>
+          </a:xfrm>
+          <a:prstGeom prst="rect">
+            <a:avLst/>
+          </a:prstGeom>
+          <a:noFill/>
+        </p:spPr>
+        <p:txBody>
+          <a:bodyPr wrap="none" rtlCol="0">
+            <a:spAutoFit/>
+          </a:bodyPr>
+          <a:lstStyle/>
+          <a:p>
+            <a:r>
+              <a:rPr lang="en-US" dirty="0" smtClean="0"/>
+              <a:t>20-07-2016</a:t>
+            </a:r>
+            <a:endParaRPr lang="en-US" dirty="0"/>
           </a:p>
         </p:txBody>
       </p:sp>
@@ -5133,6 +5195,13 @@
       </p:transition>
     </mc:Fallback>
   </mc:AlternateContent>
+  <p:timing>
+    <p:tnLst>
+      <p:par>
+        <p:cTn id="1" dur="indefinite" restart="never" nodeType="tmRoot"/>
+      </p:par>
+    </p:tnLst>
+  </p:timing>
 </p:sld>
 </file>
 
@@ -5176,11 +5245,20 @@
           <a:lstStyle/>
           <a:p>
             <a:r>
-              <a:rPr lang="en-US" sz="4000">
+              <a:rPr lang="en-US" sz="4000" dirty="0">
                 <a:latin typeface="+mn-lt"/>
               </a:rPr>
-              <a:t>Data Access</a:t>
-            </a:r>
+              <a:t>Data </a:t>
+            </a:r>
+            <a:r>
+              <a:rPr lang="en-US" sz="4000" dirty="0" smtClean="0">
+                <a:latin typeface="+mn-lt"/>
+              </a:rPr>
+              <a:t>Access Logic</a:t>
+            </a:r>
+            <a:endParaRPr lang="en-US" sz="4000" dirty="0">
+              <a:latin typeface="+mn-lt"/>
+            </a:endParaRPr>
           </a:p>
         </p:txBody>
       </p:sp>
@@ -5232,6 +5310,13 @@
       </p:transition>
     </mc:Fallback>
   </mc:AlternateContent>
+  <p:timing>
+    <p:tnLst>
+      <p:par>
+        <p:cTn id="1" dur="indefinite" restart="never" nodeType="tmRoot"/>
+      </p:par>
+    </p:tnLst>
+  </p:timing>
 </p:sld>
 </file>
 
@@ -5275,11 +5360,14 @@
           <a:lstStyle/>
           <a:p>
             <a:r>
-              <a:rPr lang="en-US" sz="4000">
+              <a:rPr lang="en-US" sz="4000" dirty="0" smtClean="0">
                 <a:latin typeface="+mn-lt"/>
               </a:rPr>
-              <a:t>E-R Diagram</a:t>
-            </a:r>
+              <a:t>Entity Relation</a:t>
+            </a:r>
+            <a:endParaRPr lang="en-US" sz="4000" dirty="0">
+              <a:latin typeface="+mn-lt"/>
+            </a:endParaRPr>
           </a:p>
         </p:txBody>
       </p:sp>
@@ -5331,6 +5419,13 @@
       </p:transition>
     </mc:Fallback>
   </mc:AlternateContent>
+  <p:timing>
+    <p:tnLst>
+      <p:par>
+        <p:cTn id="1" dur="indefinite" restart="never" nodeType="tmRoot"/>
+      </p:par>
+    </p:tnLst>
+  </p:timing>
 </p:sld>
 </file>
 
@@ -5403,16 +5498,21 @@
               </a:spcBef>
             </a:pPr>
             <a:r>
-              <a:rPr lang="en-US" b="1"/>
+              <a:rPr lang="en-US" b="1" dirty="0"/>
               <a:t>Unit Test</a:t>
             </a:r>
+            <a:r>
+              <a:rPr lang="en-US" dirty="0"/>
+              <a:t/>
+            </a:r>
             <a:br>
-              <a:rPr lang="en-US"/>
+              <a:rPr lang="en-US" dirty="0"/>
             </a:br>
             <a:r>
-              <a:rPr lang="en-US"/>
+              <a:rPr lang="en-US" dirty="0" err="1"/>
               <a:t>InternationalStringTest</a:t>
             </a:r>
+            <a:endParaRPr lang="en-US" dirty="0"/>
           </a:p>
           <a:p>
             <a:pPr>
@@ -5421,16 +5521,29 @@
               </a:spcBef>
             </a:pPr>
             <a:r>
-              <a:rPr lang="en-US" b="1"/>
+              <a:rPr lang="en-US" b="1" dirty="0"/>
               <a:t>Module Test</a:t>
             </a:r>
+            <a:r>
+              <a:rPr lang="en-US" dirty="0"/>
+              <a:t/>
+            </a:r>
             <a:br>
-              <a:rPr lang="en-US"/>
+              <a:rPr lang="en-US" dirty="0"/>
             </a:br>
             <a:r>
-              <a:rPr lang="en-US"/>
-              <a:t>SQLAmenderTest, SQLVisitorTest</a:t>
-            </a:r>
+              <a:rPr lang="en-US" dirty="0" err="1"/>
+              <a:t>SQLAmenderTest</a:t>
+            </a:r>
+            <a:r>
+              <a:rPr lang="en-US" dirty="0"/>
+              <a:t>, </a:t>
+            </a:r>
+            <a:r>
+              <a:rPr lang="en-US" dirty="0" err="1"/>
+              <a:t>SQLVisitorTest</a:t>
+            </a:r>
+            <a:endParaRPr lang="en-US" dirty="0"/>
           </a:p>
           <a:p>
             <a:pPr>
@@ -5439,16 +5552,21 @@
               </a:spcBef>
             </a:pPr>
             <a:r>
-              <a:rPr lang="en-US" b="1"/>
+              <a:rPr lang="en-US" b="1" dirty="0"/>
               <a:t>Integration Test</a:t>
             </a:r>
+            <a:r>
+              <a:rPr lang="en-US" dirty="0"/>
+              <a:t/>
+            </a:r>
             <a:br>
-              <a:rPr lang="en-US"/>
+              <a:rPr lang="en-US" dirty="0"/>
             </a:br>
             <a:r>
-              <a:rPr lang="en-US"/>
+              <a:rPr lang="en-US" dirty="0" err="1"/>
               <a:t>TagOperatorTest</a:t>
             </a:r>
+            <a:endParaRPr lang="en-US" dirty="0"/>
           </a:p>
         </p:txBody>
       </p:sp>
@@ -5474,6 +5592,13 @@
       </p:transition>
     </mc:Fallback>
   </mc:AlternateContent>
+  <p:timing>
+    <p:tnLst>
+      <p:par>
+        <p:cTn id="1" dur="indefinite" restart="never" nodeType="tmRoot"/>
+      </p:par>
+    </p:tnLst>
+  </p:timing>
 </p:sld>
 </file>
 
@@ -5525,11 +5650,14 @@
           <a:lstStyle/>
           <a:p>
             <a:r>
-              <a:rPr lang="en-US" sz="4000">
+              <a:rPr lang="en-US" sz="4000" dirty="0" smtClean="0">
                 <a:latin typeface="+mn-lt"/>
               </a:rPr>
-              <a:t>Android</a:t>
-            </a:r>
+              <a:t>Android Use case</a:t>
+            </a:r>
+            <a:endParaRPr lang="en-US" sz="4000" dirty="0">
+              <a:latin typeface="+mn-lt"/>
+            </a:endParaRPr>
           </a:p>
         </p:txBody>
       </p:sp>
@@ -5719,6 +5847,13 @@
       </p:transition>
     </mc:Fallback>
   </mc:AlternateContent>
+  <p:timing>
+    <p:tnLst>
+      <p:par>
+        <p:cTn id="1" dur="indefinite" restart="never" nodeType="tmRoot"/>
+      </p:par>
+    </p:tnLst>
+  </p:timing>
 </p:sld>
 </file>
 
@@ -5741,18 +5876,18 @@
       </p:grpSpPr>
       <p:sp>
         <p:nvSpPr>
-          <p:cNvPr id="2" name="Content Placeholder 1"/>
-          <p:cNvSpPr>
-            <a:spLocks noGrp="1"/>
-          </p:cNvSpPr>
-          <p:nvPr>
-            <p:ph idx="1"/>
-          </p:nvPr>
-        </p:nvSpPr>
-        <p:spPr>
-          <a:xfrm>
-            <a:off x="457200" y="2227478"/>
-            <a:ext cx="8229600" cy="4325112"/>
+          <p:cNvPr id="4" name="Title 2"/>
+          <p:cNvSpPr>
+            <a:spLocks noGrp="1"/>
+          </p:cNvSpPr>
+          <p:nvPr>
+            <p:ph type="title"/>
+          </p:nvPr>
+        </p:nvSpPr>
+        <p:spPr>
+          <a:xfrm>
+            <a:off x="457198" y="623621"/>
+            <a:ext cx="8229600" cy="1066800"/>
           </a:xfrm>
         </p:spPr>
         <p:txBody>
@@ -5761,13 +5896,61 @@
           </a:bodyPr>
           <a:lstStyle/>
           <a:p>
-            <a:pPr marL="82296" indent="0" algn="ctr">
-              <a:buNone/>
+            <a:r>
+              <a:rPr lang="en-US" sz="4000" dirty="0" smtClean="0">
+                <a:latin typeface="+mn-lt"/>
+              </a:rPr>
+              <a:t>Demo</a:t>
+            </a:r>
+            <a:endParaRPr lang="en-US" sz="4000" dirty="0">
+              <a:latin typeface="+mn-lt"/>
+            </a:endParaRPr>
+          </a:p>
+        </p:txBody>
+      </p:sp>
+      <p:sp>
+        <p:nvSpPr>
+          <p:cNvPr id="6" name="Content Placeholder 1"/>
+          <p:cNvSpPr>
+            <a:spLocks noGrp="1"/>
+          </p:cNvSpPr>
+          <p:nvPr>
+            <p:ph idx="1"/>
+          </p:nvPr>
+        </p:nvSpPr>
+        <p:spPr>
+          <a:xfrm>
+            <a:off x="457200" y="2249424"/>
+            <a:ext cx="8229600" cy="4325112"/>
+          </a:xfrm>
+        </p:spPr>
+        <p:txBody>
+          <a:bodyPr>
+            <a:normAutofit/>
+          </a:bodyPr>
+          <a:lstStyle/>
+          <a:p>
+            <a:pPr>
+              <a:spcBef>
+                <a:spcPts val="4800"/>
+              </a:spcBef>
             </a:pPr>
             <a:r>
-              <a:rPr lang="en-US" sz="9600"/>
-              <a:t>DEMO</a:t>
-            </a:r>
+              <a:rPr lang="en-US" sz="2400" b="1" dirty="0" smtClean="0"/>
+              <a:t>ENCA-express</a:t>
+            </a:r>
+          </a:p>
+          <a:p>
+            <a:pPr>
+              <a:spcBef>
+                <a:spcPts val="4800"/>
+              </a:spcBef>
+            </a:pPr>
+            <a:r>
+              <a:rPr lang="en-US" sz="2400" b="1" dirty="0" smtClean="0"/>
+              <a:t>ENCA</a:t>
+            </a:r>
+            <a:endParaRPr lang="en-US" sz="2400" b="1" dirty="0"/>
           </a:p>
         </p:txBody>
       </p:sp>
@@ -5793,6 +5976,13 @@
       </p:transition>
     </mc:Fallback>
   </mc:AlternateContent>
+  <p:timing>
+    <p:tnLst>
+      <p:par>
+        <p:cTn id="1" dur="indefinite" restart="never" nodeType="tmRoot"/>
+      </p:par>
+    </p:tnLst>
+  </p:timing>
 </p:sld>
 </file>
 
@@ -5865,78 +6055,107 @@
           <a:lstStyle/>
           <a:p>
             <a:r>
-              <a:rPr lang="en-US" b="1"/>
-              <a:t>Haoze Zhang</a:t>
+              <a:rPr lang="en-US" b="1" dirty="0" err="1"/>
+              <a:t>Haoze</a:t>
+            </a:r>
+            <a:r>
+              <a:rPr lang="en-US" b="1" dirty="0"/>
+              <a:t> Zhang</a:t>
+            </a:r>
+            <a:r>
+              <a:rPr lang="en-US" dirty="0"/>
+              <a:t/>
             </a:r>
             <a:br>
-              <a:rPr lang="en-US"/>
+              <a:rPr lang="en-US" dirty="0"/>
             </a:br>
             <a:r>
-              <a:rPr lang="en-US"/>
+              <a:rPr lang="en-US" dirty="0"/>
               <a:t>Requirement analysis, system structure, UI design and team collaboration.</a:t>
             </a:r>
           </a:p>
           <a:p>
             <a:r>
-              <a:rPr lang="en-US" b="1"/>
-              <a:t>Zhaowen Gong</a:t>
+              <a:rPr lang="en-US" b="1" dirty="0" err="1"/>
+              <a:t>Zhaowen</a:t>
+            </a:r>
+            <a:r>
+              <a:rPr lang="en-US" b="1" dirty="0"/>
+              <a:t> Gong</a:t>
+            </a:r>
+            <a:r>
+              <a:rPr lang="en-US" dirty="0"/>
+              <a:t/>
             </a:r>
             <a:br>
-              <a:rPr lang="en-US"/>
+              <a:rPr lang="en-US" dirty="0"/>
             </a:br>
             <a:r>
-              <a:rPr lang="en-US"/>
+              <a:rPr lang="en-US" dirty="0"/>
               <a:t>Business logic implementation, UI implementation and code revision.</a:t>
             </a:r>
           </a:p>
           <a:p>
             <a:r>
-              <a:rPr lang="en-US" b="1"/>
-              <a:t>Zeling Wu</a:t>
+              <a:rPr lang="en-US" b="1" dirty="0" err="1"/>
+              <a:t>Zeling</a:t>
+            </a:r>
+            <a:r>
+              <a:rPr lang="en-US" b="1" dirty="0"/>
+              <a:t> Wu</a:t>
+            </a:r>
+            <a:r>
+              <a:rPr lang="en-US" dirty="0"/>
+              <a:t/>
             </a:r>
             <a:br>
-              <a:rPr lang="en-US"/>
+              <a:rPr lang="en-US" dirty="0"/>
             </a:br>
             <a:r>
-              <a:rPr lang="en-US"/>
+              <a:rPr lang="en-US" dirty="0"/>
               <a:t>Data acquisition, database management and testing.</a:t>
             </a:r>
           </a:p>
           <a:p>
             <a:r>
-              <a:rPr lang="en-US" b="1"/>
-              <a:t>Xiaoqi Ma</a:t>
+              <a:rPr lang="en-US" b="1" dirty="0" err="1"/>
+              <a:t>Xiaoqi</a:t>
+            </a:r>
+            <a:r>
+              <a:rPr lang="en-US" b="1" dirty="0"/>
+              <a:t> Ma</a:t>
+            </a:r>
+            <a:r>
+              <a:rPr lang="en-US" dirty="0"/>
+              <a:t/>
             </a:r>
             <a:br>
-              <a:rPr lang="en-US"/>
+              <a:rPr lang="en-US" dirty="0"/>
             </a:br>
             <a:r>
-              <a:rPr lang="en-US"/>
+              <a:rPr lang="en-US" dirty="0"/>
               <a:t>Android application, UI design and implementation.</a:t>
             </a:r>
           </a:p>
           <a:p>
-            <a:endParaRPr lang="en-US"/>
-          </a:p>
-          <a:p>
-            <a:r>
-              <a:rPr lang="en-US"/>
+            <a:endParaRPr lang="en-US" dirty="0"/>
+          </a:p>
+          <a:p>
+            <a:r>
+              <a:rPr lang="en-US" dirty="0"/>
               <a:t>Collaboration platform:</a:t>
             </a:r>
             <a:br>
-              <a:rPr lang="en-US"/>
+              <a:rPr lang="en-US" dirty="0"/>
             </a:br>
             <a:r>
-              <a:rPr lang="en-US"/>
-              <a:t>GitHub: </a:t>
-            </a:r>
-            <a:r>
-              <a:rPr lang="en-US">
-                <a:hlinkClick r:id="rId2"/>
-              </a:rPr>
-              <a:t>https://github.com/Nimita311/ENCA-Andriod</a:t>
-            </a:r>
-            <a:endParaRPr lang="en-US"/>
+              <a:rPr lang="en-US" dirty="0" err="1"/>
+              <a:t>GitHub</a:t>
+            </a:r>
+            <a:r>
+              <a:rPr lang="en-US" dirty="0"/>
+              <a:t>: https://github.com/Nimita311/ENCA-Andriod</a:t>
+            </a:r>
           </a:p>
         </p:txBody>
       </p:sp>
@@ -5962,6 +6181,13 @@
       </p:transition>
     </mc:Fallback>
   </mc:AlternateContent>
+  <p:timing>
+    <p:tnLst>
+      <p:par>
+        <p:cTn id="1" dur="indefinite" restart="never" nodeType="tmRoot"/>
+      </p:par>
+    </p:tnLst>
+  </p:timing>
 </p:sld>
 </file>
 
@@ -6119,6 +6345,13 @@
       </p:transition>
     </mc:Fallback>
   </mc:AlternateContent>
+  <p:timing>
+    <p:tnLst>
+      <p:par>
+        <p:cTn id="1" dur="indefinite" restart="never" nodeType="tmRoot"/>
+      </p:par>
+    </p:tnLst>
+  </p:timing>
 </p:sld>
 </file>
 
@@ -6267,6 +6500,13 @@
       </p:transition>
     </mc:Fallback>
   </mc:AlternateContent>
+  <p:timing>
+    <p:tnLst>
+      <p:par>
+        <p:cTn id="1" dur="indefinite" restart="never" nodeType="tmRoot"/>
+      </p:par>
+    </p:tnLst>
+  </p:timing>
 </p:sld>
 </file>
 
@@ -6310,11 +6550,20 @@
           <a:lstStyle/>
           <a:p>
             <a:r>
-              <a:rPr lang="en-US" sz="4000">
+              <a:rPr lang="en-US" sz="4000" dirty="0">
                 <a:latin typeface="+mn-lt"/>
               </a:rPr>
-              <a:t>Use Case Diagram</a:t>
-            </a:r>
+              <a:t>Use </a:t>
+            </a:r>
+            <a:r>
+              <a:rPr lang="en-US" sz="4000" dirty="0" smtClean="0">
+                <a:latin typeface="+mn-lt"/>
+              </a:rPr>
+              <a:t>Cases</a:t>
+            </a:r>
+            <a:endParaRPr lang="en-US" sz="4000" dirty="0">
+              <a:latin typeface="+mn-lt"/>
+            </a:endParaRPr>
           </a:p>
         </p:txBody>
       </p:sp>
@@ -6363,6 +6612,13 @@
       </p:transition>
     </mc:Fallback>
   </mc:AlternateContent>
+  <p:timing>
+    <p:tnLst>
+      <p:par>
+        <p:cTn id="1" dur="indefinite" restart="never" nodeType="tmRoot"/>
+      </p:par>
+    </p:tnLst>
+  </p:timing>
 </p:sld>
 </file>
 
@@ -6401,16 +6657,26 @@
         </p:spPr>
         <p:txBody>
           <a:bodyPr>
-            <a:normAutofit/>
+            <a:normAutofit fontScale="90000"/>
           </a:bodyPr>
           <a:lstStyle/>
           <a:p>
             <a:r>
-              <a:rPr lang="en-US" sz="4000">
+              <a:rPr lang="en-US" sz="4000" dirty="0" smtClean="0">
                 <a:latin typeface="+mn-lt"/>
               </a:rPr>
+              <a:t>Business Logic Structure</a:t>
+            </a:r>
+            <a:br>
+              <a:rPr lang="en-US" sz="4000" dirty="0" smtClean="0">
+                <a:latin typeface="+mn-lt"/>
+              </a:rPr>
+            </a:br>
+            <a:r>
+              <a:rPr lang="en-US" sz="4000" dirty="0" smtClean="0"/>
               <a:t>MVC</a:t>
             </a:r>
+            <a:endParaRPr lang="en-US" sz="4000" dirty="0"/>
           </a:p>
         </p:txBody>
       </p:sp>
@@ -6462,6 +6728,13 @@
       </p:transition>
     </mc:Fallback>
   </mc:AlternateContent>
+  <p:timing>
+    <p:tnLst>
+      <p:par>
+        <p:cTn id="1" dur="indefinite" restart="never" nodeType="tmRoot"/>
+      </p:par>
+    </p:tnLst>
+  </p:timing>
 </p:sld>
 </file>
 
@@ -6500,16 +6773,32 @@
         </p:spPr>
         <p:txBody>
           <a:bodyPr>
-            <a:normAutofit/>
+            <a:normAutofit fontScale="90000"/>
           </a:bodyPr>
           <a:lstStyle/>
           <a:p>
             <a:r>
-              <a:rPr lang="en-US" sz="4000">
+              <a:rPr lang="en-US" sz="4000" dirty="0">
                 <a:latin typeface="+mn-lt"/>
               </a:rPr>
-              <a:t>Languages</a:t>
-            </a:r>
+              <a:t>Business Logic Structure </a:t>
+            </a:r>
+            <a:r>
+              <a:rPr lang="en-US" sz="4000" dirty="0" smtClean="0">
+                <a:latin typeface="+mn-lt"/>
+              </a:rPr>
+              <a:t/>
+            </a:r>
+            <a:br>
+              <a:rPr lang="en-US" sz="4000" dirty="0" smtClean="0">
+                <a:latin typeface="+mn-lt"/>
+              </a:rPr>
+            </a:br>
+            <a:r>
+              <a:rPr lang="en-US" sz="4000" dirty="0" smtClean="0"/>
+              <a:t>Multi-Language Support</a:t>
+            </a:r>
+            <a:endParaRPr lang="en-US" sz="4000" dirty="0"/>
           </a:p>
         </p:txBody>
       </p:sp>
@@ -6561,6 +6850,13 @@
       </p:transition>
     </mc:Fallback>
   </mc:AlternateContent>
+  <p:timing>
+    <p:tnLst>
+      <p:par>
+        <p:cTn id="1" dur="indefinite" restart="never" nodeType="tmRoot"/>
+      </p:par>
+    </p:tnLst>
+  </p:timing>
 </p:sld>
 </file>
 
@@ -6599,16 +6895,32 @@
         </p:spPr>
         <p:txBody>
           <a:bodyPr>
-            <a:normAutofit/>
+            <a:normAutofit fontScale="90000"/>
           </a:bodyPr>
           <a:lstStyle/>
           <a:p>
             <a:r>
-              <a:rPr lang="en-US" sz="4000">
+              <a:rPr lang="en-US" sz="4000" dirty="0">
                 <a:latin typeface="+mn-lt"/>
               </a:rPr>
+              <a:t>Business Logic Structure </a:t>
+            </a:r>
+            <a:r>
+              <a:rPr lang="en-US" sz="4000" dirty="0" smtClean="0">
+                <a:latin typeface="+mn-lt"/>
+              </a:rPr>
+              <a:t/>
+            </a:r>
+            <a:br>
+              <a:rPr lang="en-US" sz="4000" dirty="0" smtClean="0">
+                <a:latin typeface="+mn-lt"/>
+              </a:rPr>
+            </a:br>
+            <a:r>
+              <a:rPr lang="en-US" sz="4000" dirty="0" smtClean="0"/>
               <a:t>Preferences</a:t>
             </a:r>
+            <a:endParaRPr lang="en-US" sz="4000" dirty="0"/>
           </a:p>
         </p:txBody>
       </p:sp>
@@ -6660,6 +6972,13 @@
       </p:transition>
     </mc:Fallback>
   </mc:AlternateContent>
+  <p:timing>
+    <p:tnLst>
+      <p:par>
+        <p:cTn id="1" dur="indefinite" restart="never" nodeType="tmRoot"/>
+      </p:par>
+    </p:tnLst>
+  </p:timing>
 </p:sld>
 </file>
 
@@ -6703,11 +7022,14 @@
           <a:lstStyle/>
           <a:p>
             <a:r>
-              <a:rPr lang="en-US" sz="4000">
+              <a:rPr lang="en-US" sz="4000" dirty="0" smtClean="0">
                 <a:latin typeface="+mn-lt"/>
               </a:rPr>
-              <a:t>JavaFX</a:t>
-            </a:r>
+              <a:t>GUI Design</a:t>
+            </a:r>
+            <a:endParaRPr lang="en-US" sz="4000" dirty="0">
+              <a:latin typeface="+mn-lt"/>
+            </a:endParaRPr>
           </a:p>
         </p:txBody>
       </p:sp>
@@ -6739,8 +7061,16 @@
               </a:spcBef>
             </a:pPr>
             <a:r>
-              <a:rPr lang="en-US" sz="2400" b="1"/>
-              <a:t>Clear structure</a:t>
+              <a:rPr lang="en-US" sz="2400" b="1" dirty="0" err="1" smtClean="0"/>
+              <a:t>JavaFX</a:t>
+            </a:r>
+            <a:r>
+              <a:rPr lang="en-US" sz="2400" b="1" dirty="0" smtClean="0"/>
+              <a:t> </a:t>
+            </a:r>
+            <a:r>
+              <a:rPr lang="en-US" sz="2400" b="1" dirty="0"/>
+              <a:t>structure</a:t>
             </a:r>
           </a:p>
           <a:p>
@@ -6750,7 +7080,7 @@
               </a:spcBef>
             </a:pPr>
             <a:r>
-              <a:rPr lang="en-US" sz="2250"/>
+              <a:rPr lang="en-US" sz="2250" dirty="0"/>
               <a:t>Main class</a:t>
             </a:r>
           </a:p>
@@ -6761,7 +7091,7 @@
               </a:spcBef>
             </a:pPr>
             <a:r>
-              <a:rPr lang="en-US" sz="2250"/>
+              <a:rPr lang="en-US" sz="2250" dirty="0"/>
               <a:t>FXML file expressing interface</a:t>
             </a:r>
           </a:p>
@@ -6772,7 +7102,7 @@
               </a:spcBef>
             </a:pPr>
             <a:r>
-              <a:rPr lang="en-US" sz="2250"/>
+              <a:rPr lang="en-US" sz="2250" dirty="0"/>
               <a:t>Separate controller</a:t>
             </a:r>
           </a:p>
@@ -6783,8 +7113,20 @@
               </a:spcBef>
             </a:pPr>
             <a:r>
-              <a:rPr lang="en-US" sz="2250"/>
-              <a:t>Css file controlling style</a:t>
+              <a:rPr lang="en-US" sz="2250" dirty="0" err="1"/>
+              <a:t>c</a:t>
+            </a:r>
+            <a:r>
+              <a:rPr lang="en-US" sz="2250" dirty="0" err="1" smtClean="0"/>
+              <a:t>ss</a:t>
+            </a:r>
+            <a:r>
+              <a:rPr lang="en-US" sz="2250" dirty="0" smtClean="0"/>
+              <a:t> </a:t>
+            </a:r>
+            <a:r>
+              <a:rPr lang="en-US" sz="2250" dirty="0"/>
+              <a:t>file controlling style</a:t>
             </a:r>
           </a:p>
           <a:p>
@@ -6794,8 +7136,23 @@
               </a:spcBef>
             </a:pPr>
             <a:r>
-              <a:rPr lang="en-US" sz="2400" b="1"/>
-              <a:t>Better look</a:t>
+              <a:rPr lang="en-US" sz="2400" b="1" dirty="0"/>
+              <a:t>More flexible layout</a:t>
+            </a:r>
+          </a:p>
+          <a:p>
+            <a:pPr>
+              <a:spcBef>
+                <a:spcPts val="1200"/>
+              </a:spcBef>
+            </a:pPr>
+            <a:r>
+              <a:rPr lang="en-US" sz="2400" b="1" dirty="0" smtClean="0"/>
+              <a:t>Better </a:t>
+            </a:r>
+            <a:r>
+              <a:rPr lang="en-US" sz="2400" b="1" dirty="0"/>
+              <a:t>look</a:t>
             </a:r>
           </a:p>
           <a:p>
@@ -6805,7 +7162,7 @@
               </a:spcBef>
             </a:pPr>
             <a:r>
-              <a:rPr lang="en-US" sz="2000"/>
+              <a:rPr lang="en-US" sz="2000" dirty="0"/>
               <a:t>Flat design</a:t>
             </a:r>
           </a:p>
@@ -6816,19 +7173,31 @@
               </a:spcBef>
             </a:pPr>
             <a:r>
-              <a:rPr lang="en-US" sz="2000"/>
-              <a:t>Theme color: </a:t>
-            </a:r>
-            <a:r>
-              <a:rPr lang="en-US" sz="2000" b="1">
+              <a:rPr lang="en-US" sz="2000" dirty="0" smtClean="0"/>
+              <a:t>Primary </a:t>
+            </a:r>
+            <a:r>
+              <a:rPr lang="en-US" sz="2000" dirty="0"/>
+              <a:t>color: </a:t>
+            </a:r>
+            <a:r>
+              <a:rPr lang="en-US" sz="2000" b="1" dirty="0" smtClean="0">
                 <a:solidFill>
                   <a:srgbClr val="4682B4"/>
                 </a:solidFill>
               </a:rPr>
-              <a:t>Still Blue</a:t>
-            </a:r>
-            <a:r>
-              <a:rPr lang="en-US" sz="2000">
+              <a:t>Steel </a:t>
+            </a:r>
+            <a:r>
+              <a:rPr lang="en-US" sz="2000" b="1" dirty="0">
+                <a:solidFill>
+                  <a:srgbClr val="4682B4"/>
+                </a:solidFill>
+              </a:rPr>
+              <a:t>Blue</a:t>
+            </a:r>
+            <a:r>
+              <a:rPr lang="en-US" sz="2000" dirty="0">
                 <a:solidFill>
                   <a:srgbClr val="4682B4"/>
                 </a:solidFill>
@@ -6843,8 +7212,12 @@
               </a:spcBef>
             </a:pPr>
             <a:r>
-              <a:rPr lang="en-US" sz="2000"/>
-              <a:t>Tag colors: </a:t>
+              <a:rPr lang="en-US" sz="2000" dirty="0" smtClean="0"/>
+              <a:t>Secondary colors</a:t>
+            </a:r>
+            <a:r>
+              <a:rPr lang="en-US" sz="2000" dirty="0"/>
+              <a:t>: </a:t>
             </a:r>
           </a:p>
           <a:p>
@@ -6854,24 +7227,10 @@
               </a:spcBef>
             </a:pPr>
             <a:r>
-              <a:rPr lang="en-US" sz="2400" b="1"/>
-              <a:t>More </a:t>
-            </a:r>
-            <a:r>
-              <a:rPr lang="en-US" sz="2400" b="1"/>
-              <a:t>flexible layout</a:t>
-            </a:r>
-          </a:p>
-          <a:p>
-            <a:pPr>
-              <a:spcBef>
-                <a:spcPts val="1200"/>
-              </a:spcBef>
-            </a:pPr>
-            <a:r>
-              <a:rPr lang="en-US" sz="2400" b="1"/>
+              <a:rPr lang="en-US" sz="2400" b="1" dirty="0" smtClean="0"/>
               <a:t>Consistency</a:t>
             </a:r>
+            <a:endParaRPr lang="en-US" sz="2400" b="1" dirty="0"/>
           </a:p>
         </p:txBody>
       </p:sp>
@@ -6883,8 +7242,8 @@
         </p:nvGrpSpPr>
         <p:grpSpPr>
           <a:xfrm>
-            <a:off x="2244293" y="4770764"/>
-            <a:ext cx="2782638" cy="338554"/>
+            <a:off x="2942197" y="5239264"/>
+            <a:ext cx="2689753" cy="327253"/>
             <a:chOff x="2226364" y="5066599"/>
             <a:chExt cx="2782638" cy="338554"/>
           </a:xfrm>
@@ -6915,7 +7274,7 @@
             <a:p>
               <a:pPr algn="ctr"/>
               <a:r>
-                <a:rPr lang="en-US" sz="1600" b="1">
+                <a:rPr lang="en-US" sz="1600" b="1" dirty="0">
                   <a:solidFill>
                     <a:schemeClr val="bg1"/>
                   </a:solidFill>
@@ -7014,8 +7373,8 @@
         </p:blipFill>
         <p:spPr>
           <a:xfrm>
-            <a:off x="5743162" y="1528270"/>
-            <a:ext cx="2943636" cy="4551204"/>
+            <a:off x="5910524" y="1788247"/>
+            <a:ext cx="2862769" cy="4426174"/>
           </a:xfrm>
           <a:prstGeom prst="rect">
             <a:avLst/>
@@ -7049,6 +7408,13 @@
       </p:transition>
     </mc:Fallback>
   </mc:AlternateContent>
+  <p:timing>
+    <p:tnLst>
+      <p:par>
+        <p:cTn id="1" dur="indefinite" restart="never" nodeType="tmRoot"/>
+      </p:par>
+    </p:tnLst>
+  </p:timing>
 </p:sld>
 </file>
 

--- a/Docs/Presentation/Software Engineering II Project.pptx
+++ b/Docs/Presentation/Software Engineering II Project.pptx
@@ -5,10 +5,10 @@
     <p:sldMasterId id="2147483696" r:id="rId2"/>
   </p:sldMasterIdLst>
   <p:notesMasterIdLst>
-    <p:notesMasterId r:id="rId17"/>
+    <p:notesMasterId r:id="rId18"/>
   </p:notesMasterIdLst>
   <p:handoutMasterIdLst>
-    <p:handoutMasterId r:id="rId18"/>
+    <p:handoutMasterId r:id="rId19"/>
   </p:handoutMasterIdLst>
   <p:sldIdLst>
     <p:sldId id="257" r:id="rId3"/>
@@ -25,6 +25,7 @@
     <p:sldId id="270" r:id="rId14"/>
     <p:sldId id="268" r:id="rId15"/>
     <p:sldId id="269" r:id="rId16"/>
+    <p:sldId id="272" r:id="rId17"/>
   </p:sldIdLst>
   <p:sldSz cx="9144000" cy="6858000" type="screen4x3"/>
   <p:notesSz cx="6858000" cy="9144000"/>
@@ -749,6 +750,95 @@
     <p:extLst>
       <p:ext uri="{BB962C8B-B14F-4D97-AF65-F5344CB8AC3E}">
         <p14:creationId xmlns:p14="http://schemas.microsoft.com/office/powerpoint/2010/main" val="2147974240"/>
+      </p:ext>
+    </p:extLst>
+  </p:cSld>
+  <p:clrMapOvr>
+    <a:masterClrMapping/>
+  </p:clrMapOvr>
+</p:notes>
+</file>
+
+<file path=ppt/notesSlides/notesSlide2.xml><?xml version="1.0" encoding="utf-8"?>
+<p:notes xmlns:a="http://schemas.openxmlformats.org/drawingml/2006/main" xmlns:r="http://schemas.openxmlformats.org/officeDocument/2006/relationships" xmlns:p="http://schemas.openxmlformats.org/presentationml/2006/main">
+  <p:cSld>
+    <p:spTree>
+      <p:nvGrpSpPr>
+        <p:cNvPr id="1" name=""/>
+        <p:cNvGrpSpPr/>
+        <p:nvPr/>
+      </p:nvGrpSpPr>
+      <p:grpSpPr>
+        <a:xfrm>
+          <a:off x="0" y="0"/>
+          <a:ext cx="0" cy="0"/>
+          <a:chOff x="0" y="0"/>
+          <a:chExt cx="0" cy="0"/>
+        </a:xfrm>
+      </p:grpSpPr>
+      <p:sp>
+        <p:nvSpPr>
+          <p:cNvPr id="2" name="Slide Image Placeholder 1"/>
+          <p:cNvSpPr>
+            <a:spLocks noGrp="1" noRot="1" noChangeAspect="1"/>
+          </p:cNvSpPr>
+          <p:nvPr>
+            <p:ph type="sldImg"/>
+          </p:nvPr>
+        </p:nvSpPr>
+        <p:spPr>
+          <a:xfrm>
+            <a:off x="1371600" y="1143000"/>
+            <a:ext cx="4114800" cy="3086100"/>
+          </a:xfrm>
+        </p:spPr>
+      </p:sp>
+      <p:sp>
+        <p:nvSpPr>
+          <p:cNvPr id="3" name="Notes Placeholder 2"/>
+          <p:cNvSpPr>
+            <a:spLocks noGrp="1"/>
+          </p:cNvSpPr>
+          <p:nvPr>
+            <p:ph type="body" idx="1"/>
+          </p:nvPr>
+        </p:nvSpPr>
+        <p:spPr/>
+        <p:txBody>
+          <a:bodyPr/>
+          <a:lstStyle/>
+          <a:p>
+            <a:endParaRPr lang="en-US"/>
+          </a:p>
+        </p:txBody>
+      </p:sp>
+      <p:sp>
+        <p:nvSpPr>
+          <p:cNvPr id="4" name="Slide Number Placeholder 3"/>
+          <p:cNvSpPr>
+            <a:spLocks noGrp="1"/>
+          </p:cNvSpPr>
+          <p:nvPr>
+            <p:ph type="sldNum" sz="quarter" idx="10"/>
+          </p:nvPr>
+        </p:nvSpPr>
+        <p:spPr/>
+        <p:txBody>
+          <a:bodyPr/>
+          <a:lstStyle/>
+          <a:p>
+            <a:fld id="{32674CE4-FBD8-4481-AEFB-CA53E599A745}" type="slidenum">
+              <a:rPr lang="en-US" smtClean="0"/>
+              <a:t>15</a:t>
+            </a:fld>
+            <a:endParaRPr lang="en-US"/>
+          </a:p>
+        </p:txBody>
+      </p:sp>
+    </p:spTree>
+    <p:extLst>
+      <p:ext uri="{BB962C8B-B14F-4D97-AF65-F5344CB8AC3E}">
+        <p14:creationId xmlns:p14="http://schemas.microsoft.com/office/powerpoint/2010/main" val="630668850"/>
       </p:ext>
     </p:extLst>
   </p:cSld>
@@ -5958,6 +6048,190 @@
     <p:extLst>
       <p:ext uri="{BB962C8B-B14F-4D97-AF65-F5344CB8AC3E}">
         <p14:creationId xmlns:p14="http://schemas.microsoft.com/office/powerpoint/2010/main" val="1907887232"/>
+      </p:ext>
+    </p:extLst>
+  </p:cSld>
+  <p:clrMapOvr>
+    <a:masterClrMapping/>
+  </p:clrMapOvr>
+  <mc:AlternateContent xmlns:mc="http://schemas.openxmlformats.org/markup-compatibility/2006" xmlns:p14="http://schemas.microsoft.com/office/powerpoint/2010/main">
+    <mc:Choice Requires="p14">
+      <p:transition spd="med" p14:dur="700">
+        <p:fade/>
+      </p:transition>
+    </mc:Choice>
+    <mc:Fallback xmlns="">
+      <p:transition spd="med">
+        <p:fade/>
+      </p:transition>
+    </mc:Fallback>
+  </mc:AlternateContent>
+  <p:timing>
+    <p:tnLst>
+      <p:par>
+        <p:cTn id="1" dur="indefinite" restart="never" nodeType="tmRoot"/>
+      </p:par>
+    </p:tnLst>
+  </p:timing>
+</p:sld>
+</file>
+
+<file path=ppt/slides/slide15.xml><?xml version="1.0" encoding="utf-8"?>
+<p:sld xmlns:a="http://schemas.openxmlformats.org/drawingml/2006/main" xmlns:r="http://schemas.openxmlformats.org/officeDocument/2006/relationships" xmlns:p="http://schemas.openxmlformats.org/presentationml/2006/main">
+  <p:cSld>
+    <p:spTree>
+      <p:nvGrpSpPr>
+        <p:cNvPr id="1" name=""/>
+        <p:cNvGrpSpPr/>
+        <p:nvPr/>
+      </p:nvGrpSpPr>
+      <p:grpSpPr>
+        <a:xfrm>
+          <a:off x="0" y="0"/>
+          <a:ext cx="0" cy="0"/>
+          <a:chOff x="0" y="0"/>
+          <a:chExt cx="0" cy="0"/>
+        </a:xfrm>
+      </p:grpSpPr>
+      <p:sp>
+        <p:nvSpPr>
+          <p:cNvPr id="3" name="Subtitle 2"/>
+          <p:cNvSpPr>
+            <a:spLocks noGrp="1"/>
+          </p:cNvSpPr>
+          <p:nvPr>
+            <p:ph type="subTitle" idx="1"/>
+          </p:nvPr>
+        </p:nvSpPr>
+        <p:spPr>
+          <a:xfrm>
+            <a:off x="457199" y="3899938"/>
+            <a:ext cx="6433931" cy="2427710"/>
+          </a:xfrm>
+        </p:spPr>
+        <p:txBody>
+          <a:bodyPr>
+            <a:normAutofit/>
+          </a:bodyPr>
+          <a:lstStyle/>
+          <a:p>
+            <a:r>
+              <a:rPr lang="en-US" sz="2400" b="1" dirty="0" smtClean="0"/>
+              <a:t>Thank you</a:t>
+            </a:r>
+          </a:p>
+          <a:p>
+            <a:r>
+              <a:rPr lang="en-US" sz="2400" b="1" dirty="0" smtClean="0"/>
+              <a:t>For more information:</a:t>
+            </a:r>
+          </a:p>
+          <a:p>
+            <a:r>
+              <a:rPr lang="en-US" sz="2400" dirty="0"/>
+              <a:t>https://</a:t>
+            </a:r>
+            <a:r>
+              <a:rPr lang="en-US" sz="2400" dirty="0" err="1"/>
+              <a:t>github.com</a:t>
+            </a:r>
+            <a:r>
+              <a:rPr lang="en-US" sz="2400" dirty="0"/>
+              <a:t>/Nimita311/ENCA-</a:t>
+            </a:r>
+            <a:r>
+              <a:rPr lang="en-US" sz="2400" dirty="0" err="1"/>
+              <a:t>Andriod</a:t>
+            </a:r>
+            <a:endParaRPr lang="en-US" sz="2400" dirty="0"/>
+          </a:p>
+          <a:p>
+            <a:endParaRPr lang="en-US" sz="2400" dirty="0"/>
+          </a:p>
+        </p:txBody>
+      </p:sp>
+      <p:sp>
+        <p:nvSpPr>
+          <p:cNvPr id="2" name="Title 1"/>
+          <p:cNvSpPr>
+            <a:spLocks noGrp="1"/>
+          </p:cNvSpPr>
+          <p:nvPr>
+            <p:ph type="ctrTitle"/>
+          </p:nvPr>
+        </p:nvSpPr>
+        <p:spPr>
+          <a:xfrm>
+            <a:off x="457200" y="2266403"/>
+            <a:ext cx="8458200" cy="1470025"/>
+          </a:xfrm>
+        </p:spPr>
+        <p:txBody>
+          <a:bodyPr>
+            <a:normAutofit/>
+          </a:bodyPr>
+          <a:lstStyle/>
+          <a:p>
+            <a:r>
+              <a:rPr lang="en-US" sz="4000" dirty="0">
+                <a:latin typeface="+mn-lt"/>
+              </a:rPr>
+              <a:t>ENCA not Cleaning Agent</a:t>
+            </a:r>
+            <a:br>
+              <a:rPr lang="en-US" sz="4000" dirty="0">
+                <a:latin typeface="+mn-lt"/>
+              </a:rPr>
+            </a:br>
+            <a:r>
+              <a:rPr lang="en-US" altLang="zh-CN" sz="4000" dirty="0">
+                <a:latin typeface="+mn-lt"/>
+              </a:rPr>
+              <a:t>—— </a:t>
+            </a:r>
+            <a:r>
+              <a:rPr lang="en-US" sz="4000" dirty="0">
+                <a:latin typeface="+mn-lt"/>
+              </a:rPr>
+              <a:t>a cleaning agent picker</a:t>
+            </a:r>
+          </a:p>
+        </p:txBody>
+      </p:sp>
+      <p:sp>
+        <p:nvSpPr>
+          <p:cNvPr id="4" name="TextBox 3"/>
+          <p:cNvSpPr txBox="1"/>
+          <p:nvPr/>
+        </p:nvSpPr>
+        <p:spPr>
+          <a:xfrm>
+            <a:off x="7653516" y="5958316"/>
+            <a:ext cx="1261884" cy="369332"/>
+          </a:xfrm>
+          <a:prstGeom prst="rect">
+            <a:avLst/>
+          </a:prstGeom>
+          <a:noFill/>
+        </p:spPr>
+        <p:txBody>
+          <a:bodyPr wrap="none" rtlCol="0">
+            <a:spAutoFit/>
+          </a:bodyPr>
+          <a:lstStyle/>
+          <a:p>
+            <a:r>
+              <a:rPr lang="en-US" dirty="0" smtClean="0"/>
+              <a:t>20-07-2016</a:t>
+            </a:r>
+            <a:endParaRPr lang="en-US" dirty="0"/>
+          </a:p>
+        </p:txBody>
+      </p:sp>
+    </p:spTree>
+    <p:extLst>
+      <p:ext uri="{BB962C8B-B14F-4D97-AF65-F5344CB8AC3E}">
+        <p14:creationId xmlns:p14="http://schemas.microsoft.com/office/powerpoint/2010/main" val="1662981776"/>
       </p:ext>
     </p:extLst>
   </p:cSld>
